--- a/Презентация.pptx
+++ b/Презентация.pptx
@@ -9,12 +9,9 @@
     <p:sldId id="262" r:id="rId3"/>
     <p:sldId id="264" r:id="rId4"/>
     <p:sldId id="257" r:id="rId5"/>
-    <p:sldId id="259" r:id="rId6"/>
-    <p:sldId id="260" r:id="rId7"/>
-    <p:sldId id="258" r:id="rId8"/>
-    <p:sldId id="261" r:id="rId9"/>
-    <p:sldId id="263" r:id="rId10"/>
-    <p:sldId id="265" r:id="rId11"/>
+    <p:sldId id="261" r:id="rId6"/>
+    <p:sldId id="263" r:id="rId7"/>
+    <p:sldId id="265" r:id="rId8"/>
   </p:sldIdLst>
   <p:sldSz cx="12192000" cy="6858000"/>
   <p:notesSz cx="6858000" cy="9144000"/>
@@ -250,7 +247,7 @@
           <a:p>
             <a:fld id="{425FF193-B0CE-408B-B028-5CCB6D717F9C}" type="datetimeFigureOut">
               <a:rPr lang="en-US" smtClean="0"/>
-              <a:t>4/30/2020</a:t>
+              <a:t>5/27/2020</a:t>
             </a:fld>
             <a:endParaRPr lang="en-US"/>
           </a:p>
@@ -448,7 +445,7 @@
           <a:p>
             <a:fld id="{425FF193-B0CE-408B-B028-5CCB6D717F9C}" type="datetimeFigureOut">
               <a:rPr lang="en-US" smtClean="0"/>
-              <a:t>4/30/2020</a:t>
+              <a:t>5/27/2020</a:t>
             </a:fld>
             <a:endParaRPr lang="en-US"/>
           </a:p>
@@ -626,7 +623,7 @@
           <a:p>
             <a:fld id="{425FF193-B0CE-408B-B028-5CCB6D717F9C}" type="datetimeFigureOut">
               <a:rPr lang="en-US" smtClean="0"/>
-              <a:t>4/30/2020</a:t>
+              <a:t>5/27/2020</a:t>
             </a:fld>
             <a:endParaRPr lang="en-US"/>
           </a:p>
@@ -794,7 +791,7 @@
           <a:p>
             <a:fld id="{425FF193-B0CE-408B-B028-5CCB6D717F9C}" type="datetimeFigureOut">
               <a:rPr lang="en-US" smtClean="0"/>
-              <a:t>4/30/2020</a:t>
+              <a:t>5/27/2020</a:t>
             </a:fld>
             <a:endParaRPr lang="en-US"/>
           </a:p>
@@ -1039,7 +1036,7 @@
           <a:p>
             <a:fld id="{425FF193-B0CE-408B-B028-5CCB6D717F9C}" type="datetimeFigureOut">
               <a:rPr lang="en-US" smtClean="0"/>
-              <a:t>4/30/2020</a:t>
+              <a:t>5/27/2020</a:t>
             </a:fld>
             <a:endParaRPr lang="en-US"/>
           </a:p>
@@ -1268,7 +1265,7 @@
           <a:p>
             <a:fld id="{425FF193-B0CE-408B-B028-5CCB6D717F9C}" type="datetimeFigureOut">
               <a:rPr lang="en-US" smtClean="0"/>
-              <a:t>4/30/2020</a:t>
+              <a:t>5/27/2020</a:t>
             </a:fld>
             <a:endParaRPr lang="en-US"/>
           </a:p>
@@ -1632,7 +1629,7 @@
           <a:p>
             <a:fld id="{425FF193-B0CE-408B-B028-5CCB6D717F9C}" type="datetimeFigureOut">
               <a:rPr lang="en-US" smtClean="0"/>
-              <a:t>4/30/2020</a:t>
+              <a:t>5/27/2020</a:t>
             </a:fld>
             <a:endParaRPr lang="en-US"/>
           </a:p>
@@ -1749,7 +1746,7 @@
           <a:p>
             <a:fld id="{425FF193-B0CE-408B-B028-5CCB6D717F9C}" type="datetimeFigureOut">
               <a:rPr lang="en-US" smtClean="0"/>
-              <a:t>4/30/2020</a:t>
+              <a:t>5/27/2020</a:t>
             </a:fld>
             <a:endParaRPr lang="en-US"/>
           </a:p>
@@ -1844,7 +1841,7 @@
           <a:p>
             <a:fld id="{425FF193-B0CE-408B-B028-5CCB6D717F9C}" type="datetimeFigureOut">
               <a:rPr lang="en-US" smtClean="0"/>
-              <a:t>4/30/2020</a:t>
+              <a:t>5/27/2020</a:t>
             </a:fld>
             <a:endParaRPr lang="en-US"/>
           </a:p>
@@ -2119,7 +2116,7 @@
           <a:p>
             <a:fld id="{425FF193-B0CE-408B-B028-5CCB6D717F9C}" type="datetimeFigureOut">
               <a:rPr lang="en-US" smtClean="0"/>
-              <a:t>4/30/2020</a:t>
+              <a:t>5/27/2020</a:t>
             </a:fld>
             <a:endParaRPr lang="en-US"/>
           </a:p>
@@ -2371,7 +2368,7 @@
           <a:p>
             <a:fld id="{425FF193-B0CE-408B-B028-5CCB6D717F9C}" type="datetimeFigureOut">
               <a:rPr lang="en-US" smtClean="0"/>
-              <a:t>4/30/2020</a:t>
+              <a:t>5/27/2020</a:t>
             </a:fld>
             <a:endParaRPr lang="en-US"/>
           </a:p>
@@ -2582,7 +2579,7 @@
           <a:p>
             <a:fld id="{425FF193-B0CE-408B-B028-5CCB6D717F9C}" type="datetimeFigureOut">
               <a:rPr lang="en-US" smtClean="0"/>
-              <a:t>4/30/2020</a:t>
+              <a:t>5/27/2020</a:t>
             </a:fld>
             <a:endParaRPr lang="en-US"/>
           </a:p>
@@ -3121,120 +3118,6 @@
 </p:sld>
 </file>
 
-<file path=ppt/slides/slide10.xml><?xml version="1.0" encoding="utf-8"?>
-<p:sld xmlns:a="http://schemas.openxmlformats.org/drawingml/2006/main" xmlns:r="http://schemas.openxmlformats.org/officeDocument/2006/relationships" xmlns:p="http://schemas.openxmlformats.org/presentationml/2006/main">
-  <p:cSld>
-    <p:spTree>
-      <p:nvGrpSpPr>
-        <p:cNvPr id="1" name=""/>
-        <p:cNvGrpSpPr/>
-        <p:nvPr/>
-      </p:nvGrpSpPr>
-      <p:grpSpPr>
-        <a:xfrm>
-          <a:off x="0" y="0"/>
-          <a:ext cx="0" cy="0"/>
-          <a:chOff x="0" y="0"/>
-          <a:chExt cx="0" cy="0"/>
-        </a:xfrm>
-      </p:grpSpPr>
-      <p:sp>
-        <p:nvSpPr>
-          <p:cNvPr id="2" name="Заголовок 1">
-            <a:extLst>
-              <a:ext uri="{FF2B5EF4-FFF2-40B4-BE49-F238E27FC236}">
-                <a16:creationId xmlns:a16="http://schemas.microsoft.com/office/drawing/2014/main" id="{2B6D2F11-1C2E-4AFF-BCF9-BD10454098C6}"/>
-              </a:ext>
-            </a:extLst>
-          </p:cNvPr>
-          <p:cNvSpPr>
-            <a:spLocks noGrp="1"/>
-          </p:cNvSpPr>
-          <p:nvPr>
-            <p:ph type="title"/>
-          </p:nvPr>
-        </p:nvSpPr>
-        <p:spPr/>
-        <p:txBody>
-          <a:bodyPr>
-            <a:normAutofit fontScale="90000"/>
-          </a:bodyPr>
-          <a:lstStyle/>
-          <a:p>
-            <a:pPr algn="ctr"/>
-            <a:r>
-              <a:rPr lang="ru-RU" sz="6000" b="1" dirty="0">
-                <a:gradFill flip="none" rotWithShape="1">
-                  <a:gsLst>
-                    <a:gs pos="0">
-                      <a:schemeClr val="accent1">
-                        <a:lumMod val="5000"/>
-                        <a:lumOff val="95000"/>
-                      </a:schemeClr>
-                    </a:gs>
-                    <a:gs pos="74000">
-                      <a:srgbClr val="FFE85E"/>
-                    </a:gs>
-                    <a:gs pos="100000">
-                      <a:schemeClr val="bg1"/>
-                    </a:gs>
-                  </a:gsLst>
-                  <a:lin ang="2700000" scaled="1"/>
-                  <a:tileRect/>
-                </a:gradFill>
-                <a:effectLst>
-                  <a:glow rad="63500">
-                    <a:schemeClr val="accent4">
-                      <a:satMod val="175000"/>
-                      <a:alpha val="40000"/>
-                    </a:schemeClr>
-                  </a:glow>
-                </a:effectLst>
-                <a:latin typeface="+mn-lt"/>
-              </a:rPr>
-              <a:t>Остались вопросы? Задайте их!</a:t>
-            </a:r>
-          </a:p>
-        </p:txBody>
-      </p:sp>
-      <p:sp>
-        <p:nvSpPr>
-          <p:cNvPr id="3" name="Объект 2">
-            <a:extLst>
-              <a:ext uri="{FF2B5EF4-FFF2-40B4-BE49-F238E27FC236}">
-                <a16:creationId xmlns:a16="http://schemas.microsoft.com/office/drawing/2014/main" id="{1E54B300-82BA-47CB-A802-DCB5C2C3BFAE}"/>
-              </a:ext>
-            </a:extLst>
-          </p:cNvPr>
-          <p:cNvSpPr>
-            <a:spLocks noGrp="1"/>
-          </p:cNvSpPr>
-          <p:nvPr>
-            <p:ph idx="1"/>
-          </p:nvPr>
-        </p:nvSpPr>
-        <p:spPr/>
-        <p:txBody>
-          <a:bodyPr/>
-          <a:lstStyle/>
-          <a:p>
-            <a:endParaRPr lang="ru-RU"/>
-          </a:p>
-        </p:txBody>
-      </p:sp>
-    </p:spTree>
-    <p:extLst>
-      <p:ext uri="{BB962C8B-B14F-4D97-AF65-F5344CB8AC3E}">
-        <p14:creationId xmlns:p14="http://schemas.microsoft.com/office/powerpoint/2010/main" val="1232835333"/>
-      </p:ext>
-    </p:extLst>
-  </p:cSld>
-  <p:clrMapOvr>
-    <a:masterClrMapping/>
-  </p:clrMapOvr>
-</p:sld>
-</file>
-
 <file path=ppt/slides/slide2.xml><?xml version="1.0" encoding="utf-8"?>
 <p:sld xmlns:a="http://schemas.openxmlformats.org/drawingml/2006/main" xmlns:r="http://schemas.openxmlformats.org/officeDocument/2006/relationships" xmlns:p="http://schemas.openxmlformats.org/presentationml/2006/main">
   <p:cSld>
@@ -3329,7 +3212,12 @@
             <p:ph idx="1"/>
           </p:nvPr>
         </p:nvSpPr>
-        <p:spPr/>
+        <p:spPr>
+          <a:xfrm>
+            <a:off x="838200" y="1548788"/>
+            <a:ext cx="10515600" cy="4351338"/>
+          </a:xfrm>
+        </p:spPr>
         <p:txBody>
           <a:bodyPr>
             <a:normAutofit/>
@@ -3951,7 +3839,7 @@
             <p:ph idx="1"/>
             <p:extLst>
               <p:ext uri="{D42A27DB-BD31-4B8C-83A1-F6EECF244321}">
-                <p14:modId xmlns:p14="http://schemas.microsoft.com/office/powerpoint/2010/main" val="1742086620"/>
+                <p14:modId xmlns:p14="http://schemas.microsoft.com/office/powerpoint/2010/main" val="1100184064"/>
               </p:ext>
             </p:extLst>
           </p:nvPr>
@@ -4030,7 +3918,7 @@
                       <a:pPr algn="ctr"/>
                       <a:r>
                         <a:rPr lang="ru-RU" sz="1600" dirty="0"/>
-                        <a:t>Ограничение на прослушивание музыки</a:t>
+                        <a:t>Безлимитное прослушивание музыки</a:t>
                       </a:r>
                     </a:p>
                   </a:txBody>
@@ -4139,7 +4027,7 @@
                             <a:schemeClr val="bg1"/>
                           </a:solidFill>
                         </a:rPr>
-                        <a:t>Нет</a:t>
+                        <a:t> Есть </a:t>
                       </a:r>
                     </a:p>
                   </a:txBody>
@@ -4261,7 +4149,7 @@
                             <a:schemeClr val="bg1"/>
                           </a:solidFill>
                         </a:rPr>
-                        <a:t>Есть</a:t>
+                        <a:t>Нет</a:t>
                       </a:r>
                     </a:p>
                   </a:txBody>
@@ -4748,7 +4636,7 @@
           <p:cNvPr id="2" name="Заголовок 1">
             <a:extLst>
               <a:ext uri="{FF2B5EF4-FFF2-40B4-BE49-F238E27FC236}">
-                <a16:creationId xmlns:a16="http://schemas.microsoft.com/office/drawing/2014/main" id="{C8473AC2-3C7B-4693-B915-665F7CFC86B9}"/>
+                <a16:creationId xmlns:a16="http://schemas.microsoft.com/office/drawing/2014/main" id="{5D9CEC72-420A-4B98-A4C2-0FF6D95CAC20}"/>
               </a:ext>
             </a:extLst>
           </p:cNvPr>
@@ -4764,49 +4652,160 @@
           <a:bodyPr/>
           <a:lstStyle/>
           <a:p>
-            <a:endParaRPr lang="ru-RU"/>
-          </a:p>
-        </p:txBody>
-      </p:sp>
-      <p:pic>
-        <p:nvPicPr>
-          <p:cNvPr id="5" name="Объект 4">
+            <a:pPr algn="ctr"/>
+            <a:r>
+              <a:rPr lang="ru-RU" sz="6000" b="1" dirty="0">
+                <a:gradFill flip="none" rotWithShape="1">
+                  <a:gsLst>
+                    <a:gs pos="0">
+                      <a:schemeClr val="accent1">
+                        <a:lumMod val="5000"/>
+                        <a:lumOff val="95000"/>
+                      </a:schemeClr>
+                    </a:gs>
+                    <a:gs pos="74000">
+                      <a:srgbClr val="FFE85E"/>
+                    </a:gs>
+                    <a:gs pos="100000">
+                      <a:schemeClr val="bg1"/>
+                    </a:gs>
+                  </a:gsLst>
+                  <a:lin ang="2700000" scaled="1"/>
+                  <a:tileRect/>
+                </a:gradFill>
+                <a:effectLst>
+                  <a:glow rad="63500">
+                    <a:schemeClr val="accent4">
+                      <a:satMod val="175000"/>
+                      <a:alpha val="40000"/>
+                    </a:schemeClr>
+                  </a:glow>
+                </a:effectLst>
+                <a:latin typeface="+mn-lt"/>
+              </a:rPr>
+              <a:t>Ценность</a:t>
+            </a:r>
+          </a:p>
+        </p:txBody>
+      </p:sp>
+      <p:sp>
+        <p:nvSpPr>
+          <p:cNvPr id="3" name="Объект 2">
             <a:extLst>
               <a:ext uri="{FF2B5EF4-FFF2-40B4-BE49-F238E27FC236}">
-                <a16:creationId xmlns:a16="http://schemas.microsoft.com/office/drawing/2014/main" id="{2639F076-AB4D-476E-A735-E41B670D0043}"/>
+                <a16:creationId xmlns:a16="http://schemas.microsoft.com/office/drawing/2014/main" id="{96C69246-8535-48BB-844A-E1B8F1DB0BD2}"/>
               </a:ext>
             </a:extLst>
           </p:cNvPr>
-          <p:cNvPicPr>
-            <a:picLocks noGrp="1" noChangeAspect="1"/>
-          </p:cNvPicPr>
+          <p:cNvSpPr>
+            <a:spLocks noGrp="1"/>
+          </p:cNvSpPr>
           <p:nvPr>
             <p:ph idx="1"/>
           </p:nvPr>
-        </p:nvPicPr>
-        <p:blipFill>
-          <a:blip r:embed="rId2">
-            <a:extLst>
-              <a:ext uri="{28A0092B-C50C-407E-A947-70E740481C1C}">
-                <a14:useLocalDpi xmlns:a14="http://schemas.microsoft.com/office/drawing/2010/main" val="0"/>
-              </a:ext>
-            </a:extLst>
-          </a:blip>
-          <a:stretch>
-            <a:fillRect/>
-          </a:stretch>
-        </p:blipFill>
+        </p:nvSpPr>
         <p:spPr>
           <a:xfrm>
-            <a:off x="838200" y="541294"/>
-            <a:ext cx="10816826" cy="5484668"/>
+            <a:off x="1148592" y="2219908"/>
+            <a:ext cx="10515600" cy="4390617"/>
           </a:xfrm>
         </p:spPr>
-      </p:pic>
+        <p:txBody>
+          <a:bodyPr>
+            <a:normAutofit/>
+          </a:bodyPr>
+          <a:lstStyle/>
+          <a:p>
+            <a:r>
+              <a:rPr lang="ru-RU" dirty="0">
+                <a:solidFill>
+                  <a:schemeClr val="bg1"/>
+                </a:solidFill>
+              </a:rPr>
+              <a:t>Потребительские сегменты</a:t>
+            </a:r>
+            <a:r>
+              <a:rPr lang="en-US" dirty="0">
+                <a:solidFill>
+                  <a:schemeClr val="bg1"/>
+                </a:solidFill>
+              </a:rPr>
+              <a:t>: </a:t>
+            </a:r>
+            <a:r>
+              <a:rPr lang="ru-RU" dirty="0">
+                <a:solidFill>
+                  <a:schemeClr val="bg1"/>
+                </a:solidFill>
+              </a:rPr>
+              <a:t>школьники, подростки и взрослые от 14 до 35 лет.</a:t>
+            </a:r>
+          </a:p>
+          <a:p>
+            <a:r>
+              <a:rPr lang="ru-RU" dirty="0">
+                <a:solidFill>
+                  <a:schemeClr val="bg1"/>
+                </a:solidFill>
+              </a:rPr>
+              <a:t>Каналы продаж</a:t>
+            </a:r>
+            <a:r>
+              <a:rPr lang="en-US" dirty="0">
+                <a:solidFill>
+                  <a:schemeClr val="bg1"/>
+                </a:solidFill>
+              </a:rPr>
+              <a:t>:</a:t>
+            </a:r>
+            <a:r>
+              <a:rPr lang="ru-RU" dirty="0">
+                <a:solidFill>
+                  <a:schemeClr val="bg1"/>
+                </a:solidFill>
+              </a:rPr>
+              <a:t> Академия Калашников</a:t>
+            </a:r>
+          </a:p>
+          <a:p>
+            <a:r>
+              <a:rPr lang="ru-RU" dirty="0">
+                <a:solidFill>
+                  <a:schemeClr val="bg1"/>
+                </a:solidFill>
+              </a:rPr>
+              <a:t>Ценностные предложение</a:t>
+            </a:r>
+            <a:r>
+              <a:rPr lang="en-US" dirty="0">
+                <a:solidFill>
+                  <a:schemeClr val="bg1"/>
+                </a:solidFill>
+              </a:rPr>
+              <a:t>:</a:t>
+            </a:r>
+            <a:r>
+              <a:rPr lang="ru-RU" dirty="0">
+                <a:solidFill>
+                  <a:schemeClr val="bg1"/>
+                </a:solidFill>
+              </a:rPr>
+              <a:t> мы решаем проблему анонимного общения.  Мы предоставляем анонимный форум с анонимным общением.</a:t>
+            </a:r>
+          </a:p>
+          <a:p>
+            <a:endParaRPr lang="ru-RU" dirty="0">
+              <a:solidFill>
+                <a:schemeClr val="bg1"/>
+              </a:solidFill>
+            </a:endParaRPr>
+          </a:p>
+        </p:txBody>
+      </p:sp>
     </p:spTree>
     <p:extLst>
       <p:ext uri="{BB962C8B-B14F-4D97-AF65-F5344CB8AC3E}">
-        <p14:creationId xmlns:p14="http://schemas.microsoft.com/office/powerpoint/2010/main" val="964100907"/>
+        <p14:creationId xmlns:p14="http://schemas.microsoft.com/office/powerpoint/2010/main" val="1469246855"/>
       </p:ext>
     </p:extLst>
   </p:cSld>
@@ -4835,387 +4834,6 @@
       </p:grpSpPr>
       <p:sp>
         <p:nvSpPr>
-          <p:cNvPr id="2" name="Заголовок 1">
-            <a:extLst>
-              <a:ext uri="{FF2B5EF4-FFF2-40B4-BE49-F238E27FC236}">
-                <a16:creationId xmlns:a16="http://schemas.microsoft.com/office/drawing/2014/main" id="{99112E58-48E1-429F-BE03-63E890DE68B8}"/>
-              </a:ext>
-            </a:extLst>
-          </p:cNvPr>
-          <p:cNvSpPr>
-            <a:spLocks noGrp="1"/>
-          </p:cNvSpPr>
-          <p:nvPr>
-            <p:ph type="title"/>
-          </p:nvPr>
-        </p:nvSpPr>
-        <p:spPr/>
-        <p:txBody>
-          <a:bodyPr/>
-          <a:lstStyle/>
-          <a:p>
-            <a:endParaRPr lang="ru-RU"/>
-          </a:p>
-        </p:txBody>
-      </p:sp>
-      <p:pic>
-        <p:nvPicPr>
-          <p:cNvPr id="5" name="Объект 4">
-            <a:extLst>
-              <a:ext uri="{FF2B5EF4-FFF2-40B4-BE49-F238E27FC236}">
-                <a16:creationId xmlns:a16="http://schemas.microsoft.com/office/drawing/2014/main" id="{0ED94717-D420-422B-A42C-89CD27E78F68}"/>
-              </a:ext>
-            </a:extLst>
-          </p:cNvPr>
-          <p:cNvPicPr>
-            <a:picLocks noGrp="1" noChangeAspect="1"/>
-          </p:cNvPicPr>
-          <p:nvPr>
-            <p:ph idx="1"/>
-          </p:nvPr>
-        </p:nvPicPr>
-        <p:blipFill>
-          <a:blip r:embed="rId2">
-            <a:extLst>
-              <a:ext uri="{28A0092B-C50C-407E-A947-70E740481C1C}">
-                <a14:useLocalDpi xmlns:a14="http://schemas.microsoft.com/office/drawing/2010/main" val="0"/>
-              </a:ext>
-            </a:extLst>
-          </a:blip>
-          <a:stretch>
-            <a:fillRect/>
-          </a:stretch>
-        </p:blipFill>
-        <p:spPr>
-          <a:xfrm>
-            <a:off x="566446" y="796954"/>
-            <a:ext cx="11059108" cy="5604669"/>
-          </a:xfrm>
-        </p:spPr>
-      </p:pic>
-    </p:spTree>
-    <p:extLst>
-      <p:ext uri="{BB962C8B-B14F-4D97-AF65-F5344CB8AC3E}">
-        <p14:creationId xmlns:p14="http://schemas.microsoft.com/office/powerpoint/2010/main" val="1586934645"/>
-      </p:ext>
-    </p:extLst>
-  </p:cSld>
-  <p:clrMapOvr>
-    <a:masterClrMapping/>
-  </p:clrMapOvr>
-</p:sld>
-</file>
-
-<file path=ppt/slides/slide7.xml><?xml version="1.0" encoding="utf-8"?>
-<p:sld xmlns:a="http://schemas.openxmlformats.org/drawingml/2006/main" xmlns:r="http://schemas.openxmlformats.org/officeDocument/2006/relationships" xmlns:p="http://schemas.openxmlformats.org/presentationml/2006/main">
-  <p:cSld>
-    <p:spTree>
-      <p:nvGrpSpPr>
-        <p:cNvPr id="1" name=""/>
-        <p:cNvGrpSpPr/>
-        <p:nvPr/>
-      </p:nvGrpSpPr>
-      <p:grpSpPr>
-        <a:xfrm>
-          <a:off x="0" y="0"/>
-          <a:ext cx="0" cy="0"/>
-          <a:chOff x="0" y="0"/>
-          <a:chExt cx="0" cy="0"/>
-        </a:xfrm>
-      </p:grpSpPr>
-      <p:sp>
-        <p:nvSpPr>
-          <p:cNvPr id="2" name="Заголовок 1">
-            <a:extLst>
-              <a:ext uri="{FF2B5EF4-FFF2-40B4-BE49-F238E27FC236}">
-                <a16:creationId xmlns:a16="http://schemas.microsoft.com/office/drawing/2014/main" id="{B4D8161E-55A1-40AC-B714-DE7C425D5E24}"/>
-              </a:ext>
-            </a:extLst>
-          </p:cNvPr>
-          <p:cNvSpPr>
-            <a:spLocks noGrp="1"/>
-          </p:cNvSpPr>
-          <p:nvPr>
-            <p:ph type="title"/>
-          </p:nvPr>
-        </p:nvSpPr>
-        <p:spPr/>
-        <p:txBody>
-          <a:bodyPr/>
-          <a:lstStyle/>
-          <a:p>
-            <a:endParaRPr lang="ru-RU"/>
-          </a:p>
-        </p:txBody>
-      </p:sp>
-      <p:pic>
-        <p:nvPicPr>
-          <p:cNvPr id="5" name="Объект 4">
-            <a:extLst>
-              <a:ext uri="{FF2B5EF4-FFF2-40B4-BE49-F238E27FC236}">
-                <a16:creationId xmlns:a16="http://schemas.microsoft.com/office/drawing/2014/main" id="{79D8555D-B48A-4791-8497-24427EE24FD1}"/>
-              </a:ext>
-            </a:extLst>
-          </p:cNvPr>
-          <p:cNvPicPr>
-            <a:picLocks noGrp="1" noChangeAspect="1"/>
-          </p:cNvPicPr>
-          <p:nvPr>
-            <p:ph idx="1"/>
-          </p:nvPr>
-        </p:nvPicPr>
-        <p:blipFill>
-          <a:blip r:embed="rId2">
-            <a:extLst>
-              <a:ext uri="{28A0092B-C50C-407E-A947-70E740481C1C}">
-                <a14:useLocalDpi xmlns:a14="http://schemas.microsoft.com/office/drawing/2010/main" val="0"/>
-              </a:ext>
-            </a:extLst>
-          </a:blip>
-          <a:stretch>
-            <a:fillRect/>
-          </a:stretch>
-        </p:blipFill>
-        <p:spPr>
-          <a:xfrm>
-            <a:off x="278057" y="164604"/>
-            <a:ext cx="11481038" cy="6328271"/>
-          </a:xfrm>
-        </p:spPr>
-      </p:pic>
-    </p:spTree>
-    <p:extLst>
-      <p:ext uri="{BB962C8B-B14F-4D97-AF65-F5344CB8AC3E}">
-        <p14:creationId xmlns:p14="http://schemas.microsoft.com/office/powerpoint/2010/main" val="2828987809"/>
-      </p:ext>
-    </p:extLst>
-  </p:cSld>
-  <p:clrMapOvr>
-    <a:masterClrMapping/>
-  </p:clrMapOvr>
-</p:sld>
-</file>
-
-<file path=ppt/slides/slide8.xml><?xml version="1.0" encoding="utf-8"?>
-<p:sld xmlns:a="http://schemas.openxmlformats.org/drawingml/2006/main" xmlns:r="http://schemas.openxmlformats.org/officeDocument/2006/relationships" xmlns:p="http://schemas.openxmlformats.org/presentationml/2006/main">
-  <p:cSld>
-    <p:spTree>
-      <p:nvGrpSpPr>
-        <p:cNvPr id="1" name=""/>
-        <p:cNvGrpSpPr/>
-        <p:nvPr/>
-      </p:nvGrpSpPr>
-      <p:grpSpPr>
-        <a:xfrm>
-          <a:off x="0" y="0"/>
-          <a:ext cx="0" cy="0"/>
-          <a:chOff x="0" y="0"/>
-          <a:chExt cx="0" cy="0"/>
-        </a:xfrm>
-      </p:grpSpPr>
-      <p:sp>
-        <p:nvSpPr>
-          <p:cNvPr id="2" name="Заголовок 1">
-            <a:extLst>
-              <a:ext uri="{FF2B5EF4-FFF2-40B4-BE49-F238E27FC236}">
-                <a16:creationId xmlns:a16="http://schemas.microsoft.com/office/drawing/2014/main" id="{5D9CEC72-420A-4B98-A4C2-0FF6D95CAC20}"/>
-              </a:ext>
-            </a:extLst>
-          </p:cNvPr>
-          <p:cNvSpPr>
-            <a:spLocks noGrp="1"/>
-          </p:cNvSpPr>
-          <p:nvPr>
-            <p:ph type="title"/>
-          </p:nvPr>
-        </p:nvSpPr>
-        <p:spPr/>
-        <p:txBody>
-          <a:bodyPr/>
-          <a:lstStyle/>
-          <a:p>
-            <a:pPr algn="ctr"/>
-            <a:r>
-              <a:rPr lang="ru-RU" sz="6000" b="1" dirty="0">
-                <a:gradFill flip="none" rotWithShape="1">
-                  <a:gsLst>
-                    <a:gs pos="0">
-                      <a:schemeClr val="accent1">
-                        <a:lumMod val="5000"/>
-                        <a:lumOff val="95000"/>
-                      </a:schemeClr>
-                    </a:gs>
-                    <a:gs pos="74000">
-                      <a:srgbClr val="FFE85E"/>
-                    </a:gs>
-                    <a:gs pos="100000">
-                      <a:schemeClr val="bg1"/>
-                    </a:gs>
-                  </a:gsLst>
-                  <a:lin ang="2700000" scaled="1"/>
-                  <a:tileRect/>
-                </a:gradFill>
-                <a:effectLst>
-                  <a:glow rad="63500">
-                    <a:schemeClr val="accent4">
-                      <a:satMod val="175000"/>
-                      <a:alpha val="40000"/>
-                    </a:schemeClr>
-                  </a:glow>
-                </a:effectLst>
-                <a:latin typeface="+mn-lt"/>
-              </a:rPr>
-              <a:t>Ценность</a:t>
-            </a:r>
-          </a:p>
-        </p:txBody>
-      </p:sp>
-      <p:sp>
-        <p:nvSpPr>
-          <p:cNvPr id="3" name="Объект 2">
-            <a:extLst>
-              <a:ext uri="{FF2B5EF4-FFF2-40B4-BE49-F238E27FC236}">
-                <a16:creationId xmlns:a16="http://schemas.microsoft.com/office/drawing/2014/main" id="{96C69246-8535-48BB-844A-E1B8F1DB0BD2}"/>
-              </a:ext>
-            </a:extLst>
-          </p:cNvPr>
-          <p:cNvSpPr>
-            <a:spLocks noGrp="1"/>
-          </p:cNvSpPr>
-          <p:nvPr>
-            <p:ph idx="1"/>
-          </p:nvPr>
-        </p:nvSpPr>
-        <p:spPr>
-          <a:xfrm>
-            <a:off x="1148592" y="2219908"/>
-            <a:ext cx="10515600" cy="4390617"/>
-          </a:xfrm>
-        </p:spPr>
-        <p:txBody>
-          <a:bodyPr>
-            <a:normAutofit/>
-          </a:bodyPr>
-          <a:lstStyle/>
-          <a:p>
-            <a:r>
-              <a:rPr lang="ru-RU" dirty="0">
-                <a:solidFill>
-                  <a:schemeClr val="bg1"/>
-                </a:solidFill>
-              </a:rPr>
-              <a:t>Потребительские сегменты</a:t>
-            </a:r>
-            <a:r>
-              <a:rPr lang="en-US" dirty="0">
-                <a:solidFill>
-                  <a:schemeClr val="bg1"/>
-                </a:solidFill>
-              </a:rPr>
-              <a:t>: </a:t>
-            </a:r>
-            <a:r>
-              <a:rPr lang="ru-RU" dirty="0">
-                <a:solidFill>
-                  <a:schemeClr val="bg1"/>
-                </a:solidFill>
-              </a:rPr>
-              <a:t>школьники, подростки и взрослые от 14 до 35 лет.</a:t>
-            </a:r>
-          </a:p>
-          <a:p>
-            <a:r>
-              <a:rPr lang="ru-RU" dirty="0">
-                <a:solidFill>
-                  <a:schemeClr val="bg1"/>
-                </a:solidFill>
-              </a:rPr>
-              <a:t>Каналы продаж</a:t>
-            </a:r>
-            <a:r>
-              <a:rPr lang="en-US" dirty="0">
-                <a:solidFill>
-                  <a:schemeClr val="bg1"/>
-                </a:solidFill>
-              </a:rPr>
-              <a:t>:</a:t>
-            </a:r>
-            <a:r>
-              <a:rPr lang="ru-RU" dirty="0">
-                <a:solidFill>
-                  <a:schemeClr val="bg1"/>
-                </a:solidFill>
-              </a:rPr>
-              <a:t> Академия Калашников</a:t>
-            </a:r>
-          </a:p>
-          <a:p>
-            <a:r>
-              <a:rPr lang="ru-RU" dirty="0">
-                <a:solidFill>
-                  <a:schemeClr val="bg1"/>
-                </a:solidFill>
-              </a:rPr>
-              <a:t>Ценностные предложение</a:t>
-            </a:r>
-            <a:r>
-              <a:rPr lang="en-US" dirty="0">
-                <a:solidFill>
-                  <a:schemeClr val="bg1"/>
-                </a:solidFill>
-              </a:rPr>
-              <a:t>:</a:t>
-            </a:r>
-            <a:r>
-              <a:rPr lang="ru-RU" dirty="0">
-                <a:solidFill>
-                  <a:schemeClr val="bg1"/>
-                </a:solidFill>
-              </a:rPr>
-              <a:t> мы решаем проблему анонимного общения.  Мы предоставляем анонимный форум с анонимным общением.</a:t>
-            </a:r>
-          </a:p>
-          <a:p>
-            <a:endParaRPr lang="ru-RU" dirty="0">
-              <a:solidFill>
-                <a:schemeClr val="bg1"/>
-              </a:solidFill>
-            </a:endParaRPr>
-          </a:p>
-        </p:txBody>
-      </p:sp>
-    </p:spTree>
-    <p:extLst>
-      <p:ext uri="{BB962C8B-B14F-4D97-AF65-F5344CB8AC3E}">
-        <p14:creationId xmlns:p14="http://schemas.microsoft.com/office/powerpoint/2010/main" val="1469246855"/>
-      </p:ext>
-    </p:extLst>
-  </p:cSld>
-  <p:clrMapOvr>
-    <a:masterClrMapping/>
-  </p:clrMapOvr>
-</p:sld>
-</file>
-
-<file path=ppt/slides/slide9.xml><?xml version="1.0" encoding="utf-8"?>
-<p:sld xmlns:a="http://schemas.openxmlformats.org/drawingml/2006/main" xmlns:r="http://schemas.openxmlformats.org/officeDocument/2006/relationships" xmlns:p="http://schemas.openxmlformats.org/presentationml/2006/main">
-  <p:cSld>
-    <p:spTree>
-      <p:nvGrpSpPr>
-        <p:cNvPr id="1" name=""/>
-        <p:cNvGrpSpPr/>
-        <p:nvPr/>
-      </p:nvGrpSpPr>
-      <p:grpSpPr>
-        <a:xfrm>
-          <a:off x="0" y="0"/>
-          <a:ext cx="0" cy="0"/>
-          <a:chOff x="0" y="0"/>
-          <a:chExt cx="0" cy="0"/>
-        </a:xfrm>
-      </p:grpSpPr>
-      <p:sp>
-        <p:nvSpPr>
           <p:cNvPr id="2" name="Заголовок 1"/>
           <p:cNvSpPr>
             <a:spLocks noGrp="1"/>
@@ -5293,7 +4911,7 @@
         </p:blipFill>
         <p:spPr>
           <a:xfrm>
-            <a:off x="1746504" y="1690688"/>
+            <a:off x="1719526" y="1690688"/>
             <a:ext cx="3155751" cy="4207669"/>
           </a:xfrm>
         </p:spPr>
@@ -5628,6 +5246,120 @@
     <p:extLst>
       <p:ext uri="{BB962C8B-B14F-4D97-AF65-F5344CB8AC3E}">
         <p14:creationId xmlns:p14="http://schemas.microsoft.com/office/powerpoint/2010/main" val="3060394022"/>
+      </p:ext>
+    </p:extLst>
+  </p:cSld>
+  <p:clrMapOvr>
+    <a:masterClrMapping/>
+  </p:clrMapOvr>
+</p:sld>
+</file>
+
+<file path=ppt/slides/slide7.xml><?xml version="1.0" encoding="utf-8"?>
+<p:sld xmlns:a="http://schemas.openxmlformats.org/drawingml/2006/main" xmlns:r="http://schemas.openxmlformats.org/officeDocument/2006/relationships" xmlns:p="http://schemas.openxmlformats.org/presentationml/2006/main">
+  <p:cSld>
+    <p:spTree>
+      <p:nvGrpSpPr>
+        <p:cNvPr id="1" name=""/>
+        <p:cNvGrpSpPr/>
+        <p:nvPr/>
+      </p:nvGrpSpPr>
+      <p:grpSpPr>
+        <a:xfrm>
+          <a:off x="0" y="0"/>
+          <a:ext cx="0" cy="0"/>
+          <a:chOff x="0" y="0"/>
+          <a:chExt cx="0" cy="0"/>
+        </a:xfrm>
+      </p:grpSpPr>
+      <p:sp>
+        <p:nvSpPr>
+          <p:cNvPr id="2" name="Заголовок 1">
+            <a:extLst>
+              <a:ext uri="{FF2B5EF4-FFF2-40B4-BE49-F238E27FC236}">
+                <a16:creationId xmlns:a16="http://schemas.microsoft.com/office/drawing/2014/main" id="{2B6D2F11-1C2E-4AFF-BCF9-BD10454098C6}"/>
+              </a:ext>
+            </a:extLst>
+          </p:cNvPr>
+          <p:cNvSpPr>
+            <a:spLocks noGrp="1"/>
+          </p:cNvSpPr>
+          <p:nvPr>
+            <p:ph type="title"/>
+          </p:nvPr>
+        </p:nvSpPr>
+        <p:spPr/>
+        <p:txBody>
+          <a:bodyPr>
+            <a:normAutofit fontScale="90000"/>
+          </a:bodyPr>
+          <a:lstStyle/>
+          <a:p>
+            <a:pPr algn="ctr"/>
+            <a:r>
+              <a:rPr lang="ru-RU" sz="6000" b="1" dirty="0">
+                <a:gradFill flip="none" rotWithShape="1">
+                  <a:gsLst>
+                    <a:gs pos="0">
+                      <a:schemeClr val="accent1">
+                        <a:lumMod val="5000"/>
+                        <a:lumOff val="95000"/>
+                      </a:schemeClr>
+                    </a:gs>
+                    <a:gs pos="74000">
+                      <a:srgbClr val="FFE85E"/>
+                    </a:gs>
+                    <a:gs pos="100000">
+                      <a:schemeClr val="bg1"/>
+                    </a:gs>
+                  </a:gsLst>
+                  <a:lin ang="2700000" scaled="1"/>
+                  <a:tileRect/>
+                </a:gradFill>
+                <a:effectLst>
+                  <a:glow rad="63500">
+                    <a:schemeClr val="accent4">
+                      <a:satMod val="175000"/>
+                      <a:alpha val="40000"/>
+                    </a:schemeClr>
+                  </a:glow>
+                </a:effectLst>
+                <a:latin typeface="+mn-lt"/>
+              </a:rPr>
+              <a:t>Остались вопросы? Задайте их!</a:t>
+            </a:r>
+          </a:p>
+        </p:txBody>
+      </p:sp>
+      <p:sp>
+        <p:nvSpPr>
+          <p:cNvPr id="3" name="Объект 2">
+            <a:extLst>
+              <a:ext uri="{FF2B5EF4-FFF2-40B4-BE49-F238E27FC236}">
+                <a16:creationId xmlns:a16="http://schemas.microsoft.com/office/drawing/2014/main" id="{1E54B300-82BA-47CB-A802-DCB5C2C3BFAE}"/>
+              </a:ext>
+            </a:extLst>
+          </p:cNvPr>
+          <p:cNvSpPr>
+            <a:spLocks noGrp="1"/>
+          </p:cNvSpPr>
+          <p:nvPr>
+            <p:ph idx="1"/>
+          </p:nvPr>
+        </p:nvSpPr>
+        <p:spPr/>
+        <p:txBody>
+          <a:bodyPr/>
+          <a:lstStyle/>
+          <a:p>
+            <a:endParaRPr lang="ru-RU"/>
+          </a:p>
+        </p:txBody>
+      </p:sp>
+    </p:spTree>
+    <p:extLst>
+      <p:ext uri="{BB962C8B-B14F-4D97-AF65-F5344CB8AC3E}">
+        <p14:creationId xmlns:p14="http://schemas.microsoft.com/office/powerpoint/2010/main" val="1232835333"/>
       </p:ext>
     </p:extLst>
   </p:cSld>

--- a/Презентация.pptx
+++ b/Презентация.pptx
@@ -10,8 +10,9 @@
     <p:sldId id="264" r:id="rId4"/>
     <p:sldId id="257" r:id="rId5"/>
     <p:sldId id="261" r:id="rId6"/>
-    <p:sldId id="263" r:id="rId7"/>
-    <p:sldId id="265" r:id="rId8"/>
+    <p:sldId id="266" r:id="rId7"/>
+    <p:sldId id="263" r:id="rId8"/>
+    <p:sldId id="265" r:id="rId9"/>
   </p:sldIdLst>
   <p:sldSz cx="12192000" cy="6858000"/>
   <p:notesSz cx="6858000" cy="9144000"/>
@@ -3140,7 +3141,7 @@
           <p:cNvPr id="2" name="Заголовок 1">
             <a:extLst>
               <a:ext uri="{FF2B5EF4-FFF2-40B4-BE49-F238E27FC236}">
-                <a16:creationId xmlns:a16="http://schemas.microsoft.com/office/drawing/2014/main" id="{0CAF75DA-5473-4CD9-A965-626109FC953C}"/>
+                <a16:creationId xmlns:a16="http://schemas.microsoft.com/office/drawing/2014/main" xmlns="" id="{0CAF75DA-5473-4CD9-A965-626109FC953C}"/>
               </a:ext>
             </a:extLst>
           </p:cNvPr>
@@ -3766,7 +3767,7 @@
           <p:cNvPr id="2" name="Заголовок 1">
             <a:extLst>
               <a:ext uri="{FF2B5EF4-FFF2-40B4-BE49-F238E27FC236}">
-                <a16:creationId xmlns:a16="http://schemas.microsoft.com/office/drawing/2014/main" id="{0CAF75DA-5473-4CD9-A965-626109FC953C}"/>
+                <a16:creationId xmlns:a16="http://schemas.microsoft.com/office/drawing/2014/main" xmlns="" id="{0CAF75DA-5473-4CD9-A965-626109FC953C}"/>
               </a:ext>
             </a:extLst>
           </p:cNvPr>
@@ -3828,7 +3829,7 @@
           <p:cNvPr id="4" name="Таблица 4">
             <a:extLst>
               <a:ext uri="{FF2B5EF4-FFF2-40B4-BE49-F238E27FC236}">
-                <a16:creationId xmlns:a16="http://schemas.microsoft.com/office/drawing/2014/main" id="{9CD31AA5-8E55-4CF1-9F3A-8BDB0F719A6B}"/>
+                <a16:creationId xmlns:a16="http://schemas.microsoft.com/office/drawing/2014/main" xmlns="" id="{9CD31AA5-8E55-4CF1-9F3A-8BDB0F719A6B}"/>
               </a:ext>
             </a:extLst>
           </p:cNvPr>
@@ -3858,35 +3859,35 @@
                 <a:gridCol w="1751901">
                   <a:extLst>
                     <a:ext uri="{9D8B030D-6E8A-4147-A177-3AD203B41FA5}">
-                      <a16:colId xmlns:a16="http://schemas.microsoft.com/office/drawing/2014/main" val="2728452187"/>
+                      <a16:colId xmlns:a16="http://schemas.microsoft.com/office/drawing/2014/main" xmlns="" val="2728452187"/>
                     </a:ext>
                   </a:extLst>
                 </a:gridCol>
                 <a:gridCol w="1752600">
                   <a:extLst>
                     <a:ext uri="{9D8B030D-6E8A-4147-A177-3AD203B41FA5}">
-                      <a16:colId xmlns:a16="http://schemas.microsoft.com/office/drawing/2014/main" val="3747614579"/>
+                      <a16:colId xmlns:a16="http://schemas.microsoft.com/office/drawing/2014/main" xmlns="" val="3747614579"/>
                     </a:ext>
                   </a:extLst>
                 </a:gridCol>
                 <a:gridCol w="1752600">
                   <a:extLst>
                     <a:ext uri="{9D8B030D-6E8A-4147-A177-3AD203B41FA5}">
-                      <a16:colId xmlns:a16="http://schemas.microsoft.com/office/drawing/2014/main" val="1077914937"/>
+                      <a16:colId xmlns:a16="http://schemas.microsoft.com/office/drawing/2014/main" xmlns="" val="1077914937"/>
                     </a:ext>
                   </a:extLst>
                 </a:gridCol>
                 <a:gridCol w="1752600">
                   <a:extLst>
                     <a:ext uri="{9D8B030D-6E8A-4147-A177-3AD203B41FA5}">
-                      <a16:colId xmlns:a16="http://schemas.microsoft.com/office/drawing/2014/main" val="4056636844"/>
+                      <a16:colId xmlns:a16="http://schemas.microsoft.com/office/drawing/2014/main" xmlns="" val="4056636844"/>
                     </a:ext>
                   </a:extLst>
                 </a:gridCol>
                 <a:gridCol w="1752600">
                   <a:extLst>
                     <a:ext uri="{9D8B030D-6E8A-4147-A177-3AD203B41FA5}">
-                      <a16:colId xmlns:a16="http://schemas.microsoft.com/office/drawing/2014/main" val="4219679467"/>
+                      <a16:colId xmlns:a16="http://schemas.microsoft.com/office/drawing/2014/main" xmlns="" val="4219679467"/>
                     </a:ext>
                   </a:extLst>
                 </a:gridCol>
@@ -3983,7 +3984,7 @@
                 </a:tc>
                 <a:extLst>
                   <a:ext uri="{0D108BD9-81ED-4DB2-BD59-A6C34878D82A}">
-                    <a16:rowId xmlns:a16="http://schemas.microsoft.com/office/drawing/2014/main" val="3760273801"/>
+                    <a16:rowId xmlns:a16="http://schemas.microsoft.com/office/drawing/2014/main" xmlns="" val="3760273801"/>
                   </a:ext>
                 </a:extLst>
               </a:tr>
@@ -4105,7 +4106,7 @@
                 </a:tc>
                 <a:extLst>
                   <a:ext uri="{0D108BD9-81ED-4DB2-BD59-A6C34878D82A}">
-                    <a16:rowId xmlns:a16="http://schemas.microsoft.com/office/drawing/2014/main" val="1691956686"/>
+                    <a16:rowId xmlns:a16="http://schemas.microsoft.com/office/drawing/2014/main" xmlns="" val="1691956686"/>
                   </a:ext>
                 </a:extLst>
               </a:tr>
@@ -4227,7 +4228,7 @@
                 </a:tc>
                 <a:extLst>
                   <a:ext uri="{0D108BD9-81ED-4DB2-BD59-A6C34878D82A}">
-                    <a16:rowId xmlns:a16="http://schemas.microsoft.com/office/drawing/2014/main" val="782118275"/>
+                    <a16:rowId xmlns:a16="http://schemas.microsoft.com/office/drawing/2014/main" xmlns="" val="782118275"/>
                   </a:ext>
                 </a:extLst>
               </a:tr>
@@ -4349,7 +4350,7 @@
                 </a:tc>
                 <a:extLst>
                   <a:ext uri="{0D108BD9-81ED-4DB2-BD59-A6C34878D82A}">
-                    <a16:rowId xmlns:a16="http://schemas.microsoft.com/office/drawing/2014/main" val="822538500"/>
+                    <a16:rowId xmlns:a16="http://schemas.microsoft.com/office/drawing/2014/main" xmlns="" val="822538500"/>
                   </a:ext>
                 </a:extLst>
               </a:tr>
@@ -4471,7 +4472,7 @@
                 </a:tc>
                 <a:extLst>
                   <a:ext uri="{0D108BD9-81ED-4DB2-BD59-A6C34878D82A}">
-                    <a16:rowId xmlns:a16="http://schemas.microsoft.com/office/drawing/2014/main" val="1867594637"/>
+                    <a16:rowId xmlns:a16="http://schemas.microsoft.com/office/drawing/2014/main" xmlns="" val="1867594637"/>
                   </a:ext>
                 </a:extLst>
               </a:tr>
@@ -4593,7 +4594,7 @@
                 </a:tc>
                 <a:extLst>
                   <a:ext uri="{0D108BD9-81ED-4DB2-BD59-A6C34878D82A}">
-                    <a16:rowId xmlns:a16="http://schemas.microsoft.com/office/drawing/2014/main" val="1493091069"/>
+                    <a16:rowId xmlns:a16="http://schemas.microsoft.com/office/drawing/2014/main" xmlns="" val="1493091069"/>
                   </a:ext>
                 </a:extLst>
               </a:tr>
@@ -4636,7 +4637,7 @@
           <p:cNvPr id="2" name="Заголовок 1">
             <a:extLst>
               <a:ext uri="{FF2B5EF4-FFF2-40B4-BE49-F238E27FC236}">
-                <a16:creationId xmlns:a16="http://schemas.microsoft.com/office/drawing/2014/main" id="{5D9CEC72-420A-4B98-A4C2-0FF6D95CAC20}"/>
+                <a16:creationId xmlns:a16="http://schemas.microsoft.com/office/drawing/2014/main" xmlns="" id="{5D9CEC72-420A-4B98-A4C2-0FF6D95CAC20}"/>
               </a:ext>
             </a:extLst>
           </p:cNvPr>
@@ -4693,7 +4694,7 @@
           <p:cNvPr id="3" name="Объект 2">
             <a:extLst>
               <a:ext uri="{FF2B5EF4-FFF2-40B4-BE49-F238E27FC236}">
-                <a16:creationId xmlns:a16="http://schemas.microsoft.com/office/drawing/2014/main" id="{96C69246-8535-48BB-844A-E1B8F1DB0BD2}"/>
+                <a16:creationId xmlns:a16="http://schemas.microsoft.com/office/drawing/2014/main" xmlns="" id="{96C69246-8535-48BB-844A-E1B8F1DB0BD2}"/>
               </a:ext>
             </a:extLst>
           </p:cNvPr>
@@ -4816,6 +4817,378 @@
 </file>
 
 <file path=ppt/slides/slide6.xml><?xml version="1.0" encoding="utf-8"?>
+<p:sld xmlns:a="http://schemas.openxmlformats.org/drawingml/2006/main" xmlns:r="http://schemas.openxmlformats.org/officeDocument/2006/relationships" xmlns:p="http://schemas.openxmlformats.org/presentationml/2006/main">
+  <p:cSld>
+    <p:spTree>
+      <p:nvGrpSpPr>
+        <p:cNvPr id="1" name=""/>
+        <p:cNvGrpSpPr/>
+        <p:nvPr/>
+      </p:nvGrpSpPr>
+      <p:grpSpPr>
+        <a:xfrm>
+          <a:off x="0" y="0"/>
+          <a:ext cx="0" cy="0"/>
+          <a:chOff x="0" y="0"/>
+          <a:chExt cx="0" cy="0"/>
+        </a:xfrm>
+      </p:grpSpPr>
+      <p:sp>
+        <p:nvSpPr>
+          <p:cNvPr id="2" name="Заголовок 1"/>
+          <p:cNvSpPr>
+            <a:spLocks noGrp="1"/>
+          </p:cNvSpPr>
+          <p:nvPr>
+            <p:ph type="title"/>
+          </p:nvPr>
+        </p:nvSpPr>
+        <p:spPr/>
+        <p:txBody>
+          <a:bodyPr/>
+          <a:lstStyle/>
+          <a:p>
+            <a:r>
+              <a:rPr lang="ru-RU" sz="6000" b="1" dirty="0" smtClean="0">
+                <a:gradFill flip="none" rotWithShape="1">
+                  <a:gsLst>
+                    <a:gs pos="0">
+                      <a:srgbClr val="5B9BD5">
+                        <a:lumMod val="5000"/>
+                        <a:lumOff val="95000"/>
+                      </a:srgbClr>
+                    </a:gs>
+                    <a:gs pos="74000">
+                      <a:srgbClr val="FFE85E"/>
+                    </a:gs>
+                    <a:gs pos="100000">
+                      <a:prstClr val="white"/>
+                    </a:gs>
+                  </a:gsLst>
+                  <a:lin ang="2700000" scaled="1"/>
+                  <a:tileRect/>
+                </a:gradFill>
+                <a:effectLst>
+                  <a:glow rad="63500">
+                    <a:srgbClr val="FFC000">
+                      <a:satMod val="175000"/>
+                      <a:alpha val="40000"/>
+                    </a:srgbClr>
+                  </a:glow>
+                </a:effectLst>
+                <a:latin typeface="Calibri" panose="020F0502020204030204"/>
+              </a:rPr>
+              <a:t>История создания</a:t>
+            </a:r>
+            <a:endParaRPr lang="ru-RU" dirty="0"/>
+          </a:p>
+        </p:txBody>
+      </p:sp>
+      <p:sp>
+        <p:nvSpPr>
+          <p:cNvPr id="4" name="Блок-схема: альтернативный процесс 3"/>
+          <p:cNvSpPr/>
+          <p:nvPr/>
+        </p:nvSpPr>
+        <p:spPr>
+          <a:xfrm>
+            <a:off x="831915" y="2055044"/>
+            <a:ext cx="2243579" cy="1131216"/>
+          </a:xfrm>
+          <a:prstGeom prst="flowChartAlternateProcess">
+            <a:avLst/>
+          </a:prstGeom>
+        </p:spPr>
+        <p:style>
+          <a:lnRef idx="2">
+            <a:schemeClr val="accent1">
+              <a:shade val="50000"/>
+            </a:schemeClr>
+          </a:lnRef>
+          <a:fillRef idx="1">
+            <a:schemeClr val="accent1"/>
+          </a:fillRef>
+          <a:effectRef idx="0">
+            <a:schemeClr val="accent1"/>
+          </a:effectRef>
+          <a:fontRef idx="minor">
+            <a:schemeClr val="lt1"/>
+          </a:fontRef>
+        </p:style>
+        <p:txBody>
+          <a:bodyPr rtlCol="0" anchor="ctr"/>
+          <a:lstStyle/>
+          <a:p>
+            <a:pPr algn="ctr"/>
+            <a:r>
+              <a:rPr lang="ru-RU" b="1" dirty="0" smtClean="0"/>
+              <a:t>Идея</a:t>
+            </a:r>
+            <a:endParaRPr lang="ru-RU" b="1" dirty="0"/>
+          </a:p>
+        </p:txBody>
+      </p:sp>
+      <p:sp>
+        <p:nvSpPr>
+          <p:cNvPr id="5" name="Блок-схема: альтернативный процесс 4"/>
+          <p:cNvSpPr/>
+          <p:nvPr/>
+        </p:nvSpPr>
+        <p:spPr>
+          <a:xfrm>
+            <a:off x="8718899" y="3545516"/>
+            <a:ext cx="2243579" cy="1131216"/>
+          </a:xfrm>
+          <a:prstGeom prst="flowChartAlternateProcess">
+            <a:avLst/>
+          </a:prstGeom>
+        </p:spPr>
+        <p:style>
+          <a:lnRef idx="2">
+            <a:schemeClr val="accent1">
+              <a:shade val="50000"/>
+            </a:schemeClr>
+          </a:lnRef>
+          <a:fillRef idx="1">
+            <a:schemeClr val="accent1"/>
+          </a:fillRef>
+          <a:effectRef idx="0">
+            <a:schemeClr val="accent1"/>
+          </a:effectRef>
+          <a:fontRef idx="minor">
+            <a:schemeClr val="lt1"/>
+          </a:fontRef>
+        </p:style>
+        <p:txBody>
+          <a:bodyPr rtlCol="0" anchor="ctr"/>
+          <a:lstStyle/>
+          <a:p>
+            <a:pPr algn="ctr"/>
+            <a:r>
+              <a:rPr lang="ru-RU" b="1" dirty="0" smtClean="0"/>
+              <a:t>Верстка</a:t>
+            </a:r>
+            <a:endParaRPr lang="ru-RU" b="1" dirty="0"/>
+          </a:p>
+        </p:txBody>
+      </p:sp>
+      <p:sp>
+        <p:nvSpPr>
+          <p:cNvPr id="6" name="Блок-схема: альтернативный процесс 5"/>
+          <p:cNvSpPr/>
+          <p:nvPr/>
+        </p:nvSpPr>
+        <p:spPr>
+          <a:xfrm>
+            <a:off x="6096000" y="2055044"/>
+            <a:ext cx="2243579" cy="1131216"/>
+          </a:xfrm>
+          <a:prstGeom prst="flowChartAlternateProcess">
+            <a:avLst/>
+          </a:prstGeom>
+        </p:spPr>
+        <p:style>
+          <a:lnRef idx="2">
+            <a:schemeClr val="accent1">
+              <a:shade val="50000"/>
+            </a:schemeClr>
+          </a:lnRef>
+          <a:fillRef idx="1">
+            <a:schemeClr val="accent1"/>
+          </a:fillRef>
+          <a:effectRef idx="0">
+            <a:schemeClr val="accent1"/>
+          </a:effectRef>
+          <a:fontRef idx="minor">
+            <a:schemeClr val="lt1"/>
+          </a:fontRef>
+        </p:style>
+        <p:txBody>
+          <a:bodyPr rtlCol="0" anchor="ctr"/>
+          <a:lstStyle/>
+          <a:p>
+            <a:pPr algn="ctr"/>
+            <a:r>
+              <a:rPr lang="ru-RU" b="1" dirty="0" smtClean="0"/>
+              <a:t>Документация</a:t>
+            </a:r>
+            <a:endParaRPr lang="ru-RU" b="1" dirty="0"/>
+          </a:p>
+        </p:txBody>
+      </p:sp>
+      <p:sp>
+        <p:nvSpPr>
+          <p:cNvPr id="7" name="Блок-схема: альтернативный процесс 6"/>
+          <p:cNvSpPr/>
+          <p:nvPr/>
+        </p:nvSpPr>
+        <p:spPr>
+          <a:xfrm>
+            <a:off x="3463957" y="3545516"/>
+            <a:ext cx="2243579" cy="1131216"/>
+          </a:xfrm>
+          <a:prstGeom prst="flowChartAlternateProcess">
+            <a:avLst/>
+          </a:prstGeom>
+        </p:spPr>
+        <p:style>
+          <a:lnRef idx="2">
+            <a:schemeClr val="accent1">
+              <a:shade val="50000"/>
+            </a:schemeClr>
+          </a:lnRef>
+          <a:fillRef idx="1">
+            <a:schemeClr val="accent1"/>
+          </a:fillRef>
+          <a:effectRef idx="0">
+            <a:schemeClr val="accent1"/>
+          </a:effectRef>
+          <a:fontRef idx="minor">
+            <a:schemeClr val="lt1"/>
+          </a:fontRef>
+        </p:style>
+        <p:txBody>
+          <a:bodyPr rtlCol="0" anchor="ctr"/>
+          <a:lstStyle/>
+          <a:p>
+            <a:pPr algn="ctr"/>
+            <a:r>
+              <a:rPr lang="ru-RU" b="1" dirty="0" smtClean="0"/>
+              <a:t>Прототип интерфейса</a:t>
+            </a:r>
+            <a:endParaRPr lang="ru-RU" b="1" dirty="0"/>
+          </a:p>
+        </p:txBody>
+      </p:sp>
+      <p:cxnSp>
+        <p:nvCxnSpPr>
+          <p:cNvPr id="37" name="Соединительная линия уступом 36"/>
+          <p:cNvCxnSpPr>
+            <a:stCxn id="4" idx="3"/>
+            <a:endCxn id="7" idx="1"/>
+          </p:cNvCxnSpPr>
+          <p:nvPr/>
+        </p:nvCxnSpPr>
+        <p:spPr>
+          <a:xfrm>
+            <a:off x="3075494" y="2620652"/>
+            <a:ext cx="388463" cy="1490472"/>
+          </a:xfrm>
+          <a:prstGeom prst="bentConnector3">
+            <a:avLst>
+              <a:gd name="adj1" fmla="val 50000"/>
+            </a:avLst>
+          </a:prstGeom>
+          <a:ln>
+            <a:solidFill>
+              <a:schemeClr val="accent1"/>
+            </a:solidFill>
+            <a:tailEnd type="triangle"/>
+          </a:ln>
+        </p:spPr>
+        <p:style>
+          <a:lnRef idx="1">
+            <a:schemeClr val="accent1"/>
+          </a:lnRef>
+          <a:fillRef idx="0">
+            <a:schemeClr val="accent1"/>
+          </a:fillRef>
+          <a:effectRef idx="0">
+            <a:schemeClr val="accent1"/>
+          </a:effectRef>
+          <a:fontRef idx="minor">
+            <a:schemeClr val="tx1"/>
+          </a:fontRef>
+        </p:style>
+      </p:cxnSp>
+      <p:cxnSp>
+        <p:nvCxnSpPr>
+          <p:cNvPr id="43" name="Соединительная линия уступом 42"/>
+          <p:cNvCxnSpPr>
+            <a:stCxn id="7" idx="3"/>
+            <a:endCxn id="6" idx="1"/>
+          </p:cNvCxnSpPr>
+          <p:nvPr/>
+        </p:nvCxnSpPr>
+        <p:spPr>
+          <a:xfrm flipV="1">
+            <a:off x="5707536" y="2620652"/>
+            <a:ext cx="388464" cy="1490472"/>
+          </a:xfrm>
+          <a:prstGeom prst="bentConnector3">
+            <a:avLst>
+              <a:gd name="adj1" fmla="val 50000"/>
+            </a:avLst>
+          </a:prstGeom>
+          <a:ln>
+            <a:tailEnd type="triangle"/>
+          </a:ln>
+        </p:spPr>
+        <p:style>
+          <a:lnRef idx="1">
+            <a:schemeClr val="accent1"/>
+          </a:lnRef>
+          <a:fillRef idx="0">
+            <a:schemeClr val="accent1"/>
+          </a:fillRef>
+          <a:effectRef idx="0">
+            <a:schemeClr val="accent1"/>
+          </a:effectRef>
+          <a:fontRef idx="minor">
+            <a:schemeClr val="tx1"/>
+          </a:fontRef>
+        </p:style>
+      </p:cxnSp>
+      <p:cxnSp>
+        <p:nvCxnSpPr>
+          <p:cNvPr id="55" name="Соединительная линия уступом 54"/>
+          <p:cNvCxnSpPr>
+            <a:stCxn id="6" idx="3"/>
+            <a:endCxn id="5" idx="1"/>
+          </p:cNvCxnSpPr>
+          <p:nvPr/>
+        </p:nvCxnSpPr>
+        <p:spPr>
+          <a:xfrm>
+            <a:off x="8339579" y="2620652"/>
+            <a:ext cx="379320" cy="1490472"/>
+          </a:xfrm>
+          <a:prstGeom prst="bentConnector3">
+            <a:avLst/>
+          </a:prstGeom>
+          <a:ln>
+            <a:tailEnd type="triangle"/>
+          </a:ln>
+        </p:spPr>
+        <p:style>
+          <a:lnRef idx="1">
+            <a:schemeClr val="accent1"/>
+          </a:lnRef>
+          <a:fillRef idx="0">
+            <a:schemeClr val="accent1"/>
+          </a:fillRef>
+          <a:effectRef idx="0">
+            <a:schemeClr val="accent1"/>
+          </a:effectRef>
+          <a:fontRef idx="minor">
+            <a:schemeClr val="tx1"/>
+          </a:fontRef>
+        </p:style>
+      </p:cxnSp>
+    </p:spTree>
+    <p:extLst>
+      <p:ext uri="{BB962C8B-B14F-4D97-AF65-F5344CB8AC3E}">
+        <p14:creationId xmlns:p14="http://schemas.microsoft.com/office/powerpoint/2010/main" val="3647750900"/>
+      </p:ext>
+    </p:extLst>
+  </p:cSld>
+  <p:clrMapOvr>
+    <a:masterClrMapping/>
+  </p:clrMapOvr>
+</p:sld>
+</file>
+
+<file path=ppt/slides/slide7.xml><?xml version="1.0" encoding="utf-8"?>
 <p:sld xmlns:a="http://schemas.openxmlformats.org/drawingml/2006/main" xmlns:r="http://schemas.openxmlformats.org/officeDocument/2006/relationships" xmlns:p="http://schemas.openxmlformats.org/presentationml/2006/main">
   <p:cSld>
     <p:spTree>
@@ -5255,7 +5628,7 @@
 </p:sld>
 </file>
 
-<file path=ppt/slides/slide7.xml><?xml version="1.0" encoding="utf-8"?>
+<file path=ppt/slides/slide8.xml><?xml version="1.0" encoding="utf-8"?>
 <p:sld xmlns:a="http://schemas.openxmlformats.org/drawingml/2006/main" xmlns:r="http://schemas.openxmlformats.org/officeDocument/2006/relationships" xmlns:p="http://schemas.openxmlformats.org/presentationml/2006/main">
   <p:cSld>
     <p:spTree>
@@ -5277,7 +5650,7 @@
           <p:cNvPr id="2" name="Заголовок 1">
             <a:extLst>
               <a:ext uri="{FF2B5EF4-FFF2-40B4-BE49-F238E27FC236}">
-                <a16:creationId xmlns:a16="http://schemas.microsoft.com/office/drawing/2014/main" id="{2B6D2F11-1C2E-4AFF-BCF9-BD10454098C6}"/>
+                <a16:creationId xmlns:a16="http://schemas.microsoft.com/office/drawing/2014/main" xmlns="" id="{2B6D2F11-1C2E-4AFF-BCF9-BD10454098C6}"/>
               </a:ext>
             </a:extLst>
           </p:cNvPr>
@@ -5336,7 +5709,7 @@
           <p:cNvPr id="3" name="Объект 2">
             <a:extLst>
               <a:ext uri="{FF2B5EF4-FFF2-40B4-BE49-F238E27FC236}">
-                <a16:creationId xmlns:a16="http://schemas.microsoft.com/office/drawing/2014/main" id="{1E54B300-82BA-47CB-A802-DCB5C2C3BFAE}"/>
+                <a16:creationId xmlns:a16="http://schemas.microsoft.com/office/drawing/2014/main" xmlns="" id="{1E54B300-82BA-47CB-A802-DCB5C2C3BFAE}"/>
               </a:ext>
             </a:extLst>
           </p:cNvPr>
